--- a/lessons/session09/Session_09.pptx
+++ b/lessons/session09/Session_09.pptx
@@ -267,7 +267,7 @@
           <a:p>
             <a:fld id="{EA72E7BD-C1BB-46F1-B277-8AE99D5C93A3}" type="datetimeFigureOut">
               <a:rPr lang="en-US" smtClean="0"/>
-              <a:t>7/16/2022</a:t>
+              <a:t>7/20/2022</a:t>
             </a:fld>
             <a:endParaRPr lang="en-US"/>
           </a:p>
@@ -465,7 +465,7 @@
           <a:p>
             <a:fld id="{EA72E7BD-C1BB-46F1-B277-8AE99D5C93A3}" type="datetimeFigureOut">
               <a:rPr lang="en-US" smtClean="0"/>
-              <a:t>7/16/2022</a:t>
+              <a:t>7/20/2022</a:t>
             </a:fld>
             <a:endParaRPr lang="en-US"/>
           </a:p>
@@ -673,7 +673,7 @@
           <a:p>
             <a:fld id="{EA72E7BD-C1BB-46F1-B277-8AE99D5C93A3}" type="datetimeFigureOut">
               <a:rPr lang="en-US" smtClean="0"/>
-              <a:t>7/16/2022</a:t>
+              <a:t>7/20/2022</a:t>
             </a:fld>
             <a:endParaRPr lang="en-US"/>
           </a:p>
@@ -871,7 +871,7 @@
           <a:p>
             <a:fld id="{EA72E7BD-C1BB-46F1-B277-8AE99D5C93A3}" type="datetimeFigureOut">
               <a:rPr lang="en-US" smtClean="0"/>
-              <a:t>7/16/2022</a:t>
+              <a:t>7/20/2022</a:t>
             </a:fld>
             <a:endParaRPr lang="en-US"/>
           </a:p>
@@ -1146,7 +1146,7 @@
           <a:p>
             <a:fld id="{EA72E7BD-C1BB-46F1-B277-8AE99D5C93A3}" type="datetimeFigureOut">
               <a:rPr lang="en-US" smtClean="0"/>
-              <a:t>7/16/2022</a:t>
+              <a:t>7/20/2022</a:t>
             </a:fld>
             <a:endParaRPr lang="en-US"/>
           </a:p>
@@ -1411,7 +1411,7 @@
           <a:p>
             <a:fld id="{EA72E7BD-C1BB-46F1-B277-8AE99D5C93A3}" type="datetimeFigureOut">
               <a:rPr lang="en-US" smtClean="0"/>
-              <a:t>7/16/2022</a:t>
+              <a:t>7/20/2022</a:t>
             </a:fld>
             <a:endParaRPr lang="en-US"/>
           </a:p>
@@ -1823,7 +1823,7 @@
           <a:p>
             <a:fld id="{EA72E7BD-C1BB-46F1-B277-8AE99D5C93A3}" type="datetimeFigureOut">
               <a:rPr lang="en-US" smtClean="0"/>
-              <a:t>7/16/2022</a:t>
+              <a:t>7/20/2022</a:t>
             </a:fld>
             <a:endParaRPr lang="en-US"/>
           </a:p>
@@ -1964,7 +1964,7 @@
           <a:p>
             <a:fld id="{EA72E7BD-C1BB-46F1-B277-8AE99D5C93A3}" type="datetimeFigureOut">
               <a:rPr lang="en-US" smtClean="0"/>
-              <a:t>7/16/2022</a:t>
+              <a:t>7/20/2022</a:t>
             </a:fld>
             <a:endParaRPr lang="en-US"/>
           </a:p>
@@ -2077,7 +2077,7 @@
           <a:p>
             <a:fld id="{EA72E7BD-C1BB-46F1-B277-8AE99D5C93A3}" type="datetimeFigureOut">
               <a:rPr lang="en-US" smtClean="0"/>
-              <a:t>7/16/2022</a:t>
+              <a:t>7/20/2022</a:t>
             </a:fld>
             <a:endParaRPr lang="en-US"/>
           </a:p>
@@ -2388,7 +2388,7 @@
           <a:p>
             <a:fld id="{EA72E7BD-C1BB-46F1-B277-8AE99D5C93A3}" type="datetimeFigureOut">
               <a:rPr lang="en-US" smtClean="0"/>
-              <a:t>7/16/2022</a:t>
+              <a:t>7/20/2022</a:t>
             </a:fld>
             <a:endParaRPr lang="en-US"/>
           </a:p>
@@ -2676,7 +2676,7 @@
           <a:p>
             <a:fld id="{EA72E7BD-C1BB-46F1-B277-8AE99D5C93A3}" type="datetimeFigureOut">
               <a:rPr lang="en-US" smtClean="0"/>
-              <a:t>7/16/2022</a:t>
+              <a:t>7/20/2022</a:t>
             </a:fld>
             <a:endParaRPr lang="en-US"/>
           </a:p>
@@ -2917,7 +2917,7 @@
           <a:p>
             <a:fld id="{EA72E7BD-C1BB-46F1-B277-8AE99D5C93A3}" type="datetimeFigureOut">
               <a:rPr lang="en-US" smtClean="0"/>
-              <a:t>7/16/2022</a:t>
+              <a:t>7/20/2022</a:t>
             </a:fld>
             <a:endParaRPr lang="en-US"/>
           </a:p>
@@ -3413,7 +3413,7 @@
             <a:pPr algn="ctr"/>
             <a:r>
               <a:rPr lang="en-US" sz="5400" b="1" dirty="0"/>
-              <a:t> git checkout –b lesson08NAME origin/</a:t>
+              <a:t> git checkout –b lesson09NAME origin/</a:t>
             </a:r>
             <a:r>
               <a:rPr lang="en-US" sz="5400" b="1" dirty="0" err="1"/>
@@ -3490,7 +3490,7 @@
             </a:br>
             <a:r>
               <a:rPr lang="en-US" b="1" dirty="0"/>
-              <a:t>07/16/2022</a:t>
+              <a:t>07/20/2022</a:t>
             </a:r>
             <a:br>
               <a:rPr lang="en-US" dirty="0"/>
@@ -3677,7 +3677,7 @@
           <p:nvPr>
             <p:extLst>
               <p:ext uri="{D42A27DB-BD31-4B8C-83A1-F6EECF244321}">
-                <p14:modId xmlns:p14="http://schemas.microsoft.com/office/powerpoint/2010/main" val="3377974012"/>
+                <p14:modId xmlns:p14="http://schemas.microsoft.com/office/powerpoint/2010/main" val="710361517"/>
               </p:ext>
             </p:extLst>
           </p:nvPr>
@@ -3690,12 +3690,12 @@
           <a:graphicData uri="http://schemas.openxmlformats.org/presentationml/2006/ole">
             <mc:AlternateContent xmlns:mc="http://schemas.openxmlformats.org/markup-compatibility/2006">
               <mc:Choice xmlns:v="urn:schemas-microsoft-com:vml" Requires="v">
-                <p:oleObj name="Worksheet" r:id="rId2" imgW="7019920" imgH="3209910" progId="Excel.Sheet.12">
+                <p:oleObj name="Worksheet" r:id="rId2" imgW="7020147" imgH="3209757" progId="Excel.Sheet.12">
                   <p:embed/>
                 </p:oleObj>
               </mc:Choice>
               <mc:Fallback>
-                <p:oleObj name="Worksheet" r:id="rId2" imgW="7019920" imgH="3209910" progId="Excel.Sheet.12">
+                <p:oleObj name="Worksheet" r:id="rId2" imgW="7020147" imgH="3209757" progId="Excel.Sheet.12">
                   <p:embed/>
                   <p:pic>
                     <p:nvPicPr>

--- a/lessons/session09/Session_09.pptx
+++ b/lessons/session09/Session_09.pptx
@@ -3397,7 +3397,7 @@
         <p:spPr>
           <a:xfrm>
             <a:off x="0" y="1674674"/>
-            <a:ext cx="12192000" cy="1754326"/>
+            <a:ext cx="12192000" cy="2585323"/>
           </a:xfrm>
           <a:prstGeom prst="rect">
             <a:avLst/>
@@ -3413,7 +3413,14 @@
             <a:pPr algn="ctr"/>
             <a:r>
               <a:rPr lang="en-US" sz="5400" b="1" dirty="0"/>
-              <a:t> git checkout –b lesson09NAME origin/</a:t>
+              <a:t>git pull -a</a:t>
+            </a:r>
+          </a:p>
+          <a:p>
+            <a:pPr algn="ctr"/>
+            <a:r>
+              <a:rPr lang="en-US" sz="5400" b="1" dirty="0"/>
+              <a:t>git checkout –b lesson09NAME origin/</a:t>
             </a:r>
             <a:r>
               <a:rPr lang="en-US" sz="5400" b="1" dirty="0" err="1"/>
@@ -3483,7 +3490,7 @@
           <a:p>
             <a:r>
               <a:rPr lang="en-US" b="1" dirty="0"/>
-              <a:t>Session 08</a:t>
+              <a:t>Session 09</a:t>
             </a:r>
             <a:br>
               <a:rPr lang="en-US" b="1" dirty="0"/>
